--- a/07_deep_learning/99_Project_ATT/att_project.pptx
+++ b/07_deep_learning/99_Project_ATT/att_project.pptx
@@ -121,8 +121,7 @@
 <file path=ppt/revisionInfo.xml><?xml version="1.0" encoding="utf-8"?>
 <p1510:revInfo xmlns:a="http://schemas.openxmlformats.org/drawingml/2006/main" xmlns:r="http://schemas.openxmlformats.org/officeDocument/2006/relationships" xmlns:p1510="http://schemas.microsoft.com/office/powerpoint/2015/10/main">
   <p1510:revLst>
-    <p1510:client id="{B2EE689F-2065-402A-8908-926DEA39FEF1}" v="24" dt="2024-08-20T16:47:30.252"/>
-    <p1510:client id="{FB309223-E9E0-44D1-8A29-32821B1882E7}" v="10" dt="2024-08-21T09:47:36.906"/>
+    <p1510:client id="{ABAE05BF-949A-4E93-BC19-2AEAAED3ED81}" v="1" dt="2024-08-24T09:47:25.241"/>
   </p1510:revLst>
 </p1510:revInfo>
 </file>
@@ -1555,6 +1554,30 @@
             <ac:picMk id="10" creationId="{68CE1A1C-0091-541E-2EED-C7082BD79F0A}"/>
           </ac:picMkLst>
         </pc:picChg>
+      </pc:sldChg>
+    </pc:docChg>
+  </pc:docChgLst>
+  <pc:docChgLst>
+    <pc:chgData name="Philippe Baucour" userId="5102170ae7533958" providerId="LiveId" clId="{ABAE05BF-949A-4E93-BC19-2AEAAED3ED81}"/>
+    <pc:docChg chg="custSel modSld">
+      <pc:chgData name="Philippe Baucour" userId="5102170ae7533958" providerId="LiveId" clId="{ABAE05BF-949A-4E93-BC19-2AEAAED3ED81}" dt="2024-08-24T09:47:27.756" v="4" actId="20577"/>
+      <pc:docMkLst>
+        <pc:docMk/>
+      </pc:docMkLst>
+      <pc:sldChg chg="modSp mod">
+        <pc:chgData name="Philippe Baucour" userId="5102170ae7533958" providerId="LiveId" clId="{ABAE05BF-949A-4E93-BC19-2AEAAED3ED81}" dt="2024-08-24T09:47:27.756" v="4" actId="20577"/>
+        <pc:sldMkLst>
+          <pc:docMk/>
+          <pc:sldMk cId="1392602265" sldId="256"/>
+        </pc:sldMkLst>
+        <pc:spChg chg="mod">
+          <ac:chgData name="Philippe Baucour" userId="5102170ae7533958" providerId="LiveId" clId="{ABAE05BF-949A-4E93-BC19-2AEAAED3ED81}" dt="2024-08-24T09:47:27.756" v="4" actId="20577"/>
+          <ac:spMkLst>
+            <pc:docMk/>
+            <pc:sldMk cId="1392602265" sldId="256"/>
+            <ac:spMk id="3" creationId="{08069205-150B-B4B1-565B-156D78F5E9E8}"/>
+          </ac:spMkLst>
+        </pc:spChg>
       </pc:sldChg>
     </pc:docChg>
   </pc:docChgLst>
@@ -1643,7 +1666,7 @@
           <a:p>
             <a:fld id="{FD1752CD-A7D2-4825-BC26-9DAEFBD0A5FF}" type="datetimeFigureOut">
               <a:rPr lang="fr-FR" smtClean="0"/>
-              <a:t>21/08/2024</a:t>
+              <a:t>24/08/2024</a:t>
             </a:fld>
             <a:endParaRPr lang="fr-FR"/>
           </a:p>
@@ -2057,7 +2080,7 @@
           <a:p>
             <a:fld id="{7ECB9D5A-E5E4-41FE-AF39-634902D6D5D2}" type="datetimeFigureOut">
               <a:rPr lang="fr-FR" smtClean="0"/>
-              <a:t>21/08/2024</a:t>
+              <a:t>24/08/2024</a:t>
             </a:fld>
             <a:endParaRPr lang="fr-FR"/>
           </a:p>
@@ -2255,7 +2278,7 @@
           <a:p>
             <a:fld id="{7ECB9D5A-E5E4-41FE-AF39-634902D6D5D2}" type="datetimeFigureOut">
               <a:rPr lang="fr-FR" smtClean="0"/>
-              <a:t>21/08/2024</a:t>
+              <a:t>24/08/2024</a:t>
             </a:fld>
             <a:endParaRPr lang="fr-FR"/>
           </a:p>
@@ -2463,7 +2486,7 @@
           <a:p>
             <a:fld id="{7ECB9D5A-E5E4-41FE-AF39-634902D6D5D2}" type="datetimeFigureOut">
               <a:rPr lang="fr-FR" smtClean="0"/>
-              <a:t>21/08/2024</a:t>
+              <a:t>24/08/2024</a:t>
             </a:fld>
             <a:endParaRPr lang="fr-FR"/>
           </a:p>
@@ -2661,7 +2684,7 @@
           <a:p>
             <a:fld id="{7ECB9D5A-E5E4-41FE-AF39-634902D6D5D2}" type="datetimeFigureOut">
               <a:rPr lang="fr-FR" smtClean="0"/>
-              <a:t>21/08/2024</a:t>
+              <a:t>24/08/2024</a:t>
             </a:fld>
             <a:endParaRPr lang="fr-FR"/>
           </a:p>
@@ -2936,7 +2959,7 @@
           <a:p>
             <a:fld id="{7ECB9D5A-E5E4-41FE-AF39-634902D6D5D2}" type="datetimeFigureOut">
               <a:rPr lang="fr-FR" smtClean="0"/>
-              <a:t>21/08/2024</a:t>
+              <a:t>24/08/2024</a:t>
             </a:fld>
             <a:endParaRPr lang="fr-FR"/>
           </a:p>
@@ -3201,7 +3224,7 @@
           <a:p>
             <a:fld id="{7ECB9D5A-E5E4-41FE-AF39-634902D6D5D2}" type="datetimeFigureOut">
               <a:rPr lang="fr-FR" smtClean="0"/>
-              <a:t>21/08/2024</a:t>
+              <a:t>24/08/2024</a:t>
             </a:fld>
             <a:endParaRPr lang="fr-FR"/>
           </a:p>
@@ -3613,7 +3636,7 @@
           <a:p>
             <a:fld id="{7ECB9D5A-E5E4-41FE-AF39-634902D6D5D2}" type="datetimeFigureOut">
               <a:rPr lang="fr-FR" smtClean="0"/>
-              <a:t>21/08/2024</a:t>
+              <a:t>24/08/2024</a:t>
             </a:fld>
             <a:endParaRPr lang="fr-FR"/>
           </a:p>
@@ -3754,7 +3777,7 @@
           <a:p>
             <a:fld id="{7ECB9D5A-E5E4-41FE-AF39-634902D6D5D2}" type="datetimeFigureOut">
               <a:rPr lang="fr-FR" smtClean="0"/>
-              <a:t>21/08/2024</a:t>
+              <a:t>24/08/2024</a:t>
             </a:fld>
             <a:endParaRPr lang="fr-FR"/>
           </a:p>
@@ -3867,7 +3890,7 @@
           <a:p>
             <a:fld id="{7ECB9D5A-E5E4-41FE-AF39-634902D6D5D2}" type="datetimeFigureOut">
               <a:rPr lang="fr-FR" smtClean="0"/>
-              <a:t>21/08/2024</a:t>
+              <a:t>24/08/2024</a:t>
             </a:fld>
             <a:endParaRPr lang="fr-FR"/>
           </a:p>
@@ -4178,7 +4201,7 @@
           <a:p>
             <a:fld id="{7ECB9D5A-E5E4-41FE-AF39-634902D6D5D2}" type="datetimeFigureOut">
               <a:rPr lang="fr-FR" smtClean="0"/>
-              <a:t>21/08/2024</a:t>
+              <a:t>24/08/2024</a:t>
             </a:fld>
             <a:endParaRPr lang="fr-FR"/>
           </a:p>
@@ -4469,7 +4492,7 @@
           <a:p>
             <a:fld id="{7ECB9D5A-E5E4-41FE-AF39-634902D6D5D2}" type="datetimeFigureOut">
               <a:rPr lang="fr-FR" smtClean="0"/>
-              <a:t>21/08/2024</a:t>
+              <a:t>24/08/2024</a:t>
             </a:fld>
             <a:endParaRPr lang="fr-FR"/>
           </a:p>
@@ -4710,7 +4733,7 @@
           <a:p>
             <a:fld id="{7ECB9D5A-E5E4-41FE-AF39-634902D6D5D2}" type="datetimeFigureOut">
               <a:rPr lang="fr-FR" smtClean="0"/>
-              <a:t>21/08/2024</a:t>
+              <a:t>24/08/2024</a:t>
             </a:fld>
             <a:endParaRPr lang="fr-FR"/>
           </a:p>
@@ -5183,7 +5206,7 @@
         </p:spPr>
         <p:txBody>
           <a:bodyPr>
-            <a:normAutofit/>
+            <a:normAutofit lnSpcReduction="10000"/>
           </a:bodyPr>
           <a:lstStyle/>
           <a:p>
@@ -5233,6 +5256,22 @@
                 <a:hlinkClick r:id="rId4"/>
               </a:rPr>
               <a:t>https://github.com/40tude/fullstack_mars_2024_3/tree/main/04_big_data/99_Project_Steam</a:t>
+            </a:r>
+            <a:endParaRPr lang="fr-FR" sz="1400" dirty="0"/>
+          </a:p>
+          <a:p>
+            <a:pPr algn="l"/>
+            <a:endParaRPr lang="fr-FR" sz="1400" dirty="0"/>
+          </a:p>
+          <a:p>
+            <a:pPr algn="l"/>
+            <a:r>
+              <a:rPr lang="en-US" sz="1400" dirty="0"/>
+              <a:t>The content of the following slides is mainly a cut-and-paste of what's already available in the project notebook(s). The idea is that the slides can be used to guide and frame the presentation and </a:t>
+            </a:r>
+            <a:r>
+              <a:rPr lang="en-US" sz="1400"/>
+              <a:t>discussion.</a:t>
             </a:r>
             <a:endParaRPr lang="fr-FR" sz="1400" dirty="0"/>
           </a:p>
